--- a/Laravel.pptx
+++ b/Laravel.pptx
@@ -14,6 +14,14 @@
     <p:sldId id="262" r:id="rId8"/>
     <p:sldId id="263" r:id="rId9"/>
     <p:sldId id="264" r:id="rId10"/>
+    <p:sldId id="265" r:id="rId11"/>
+    <p:sldId id="266" r:id="rId12"/>
+    <p:sldId id="267" r:id="rId13"/>
+    <p:sldId id="268" r:id="rId14"/>
+    <p:sldId id="269" r:id="rId15"/>
+    <p:sldId id="270" r:id="rId16"/>
+    <p:sldId id="271" r:id="rId17"/>
+    <p:sldId id="272" r:id="rId18"/>
   </p:sldIdLst>
   <p:sldSz cx="9144000" cy="6858000" type="screen4x3"/>
   <p:notesSz cx="6858000" cy="9144000"/>
@@ -296,7 +304,7 @@
           <a:p>
             <a:fld id="{E5EC6E44-DF2D-4F17-B5C6-B65244F2A188}" type="datetimeFigureOut">
               <a:rPr lang="en-IN" smtClean="0"/>
-              <a:t>17-09-2022</a:t>
+              <a:t>27-09-2022</a:t>
             </a:fld>
             <a:endParaRPr lang="en-IN"/>
           </a:p>
@@ -466,7 +474,7 @@
           <a:p>
             <a:fld id="{E5EC6E44-DF2D-4F17-B5C6-B65244F2A188}" type="datetimeFigureOut">
               <a:rPr lang="en-IN" smtClean="0"/>
-              <a:t>17-09-2022</a:t>
+              <a:t>27-09-2022</a:t>
             </a:fld>
             <a:endParaRPr lang="en-IN"/>
           </a:p>
@@ -646,7 +654,7 @@
           <a:p>
             <a:fld id="{E5EC6E44-DF2D-4F17-B5C6-B65244F2A188}" type="datetimeFigureOut">
               <a:rPr lang="en-IN" smtClean="0"/>
-              <a:t>17-09-2022</a:t>
+              <a:t>27-09-2022</a:t>
             </a:fld>
             <a:endParaRPr lang="en-IN"/>
           </a:p>
@@ -816,7 +824,7 @@
           <a:p>
             <a:fld id="{E5EC6E44-DF2D-4F17-B5C6-B65244F2A188}" type="datetimeFigureOut">
               <a:rPr lang="en-IN" smtClean="0"/>
-              <a:t>17-09-2022</a:t>
+              <a:t>27-09-2022</a:t>
             </a:fld>
             <a:endParaRPr lang="en-IN"/>
           </a:p>
@@ -1062,7 +1070,7 @@
           <a:p>
             <a:fld id="{E5EC6E44-DF2D-4F17-B5C6-B65244F2A188}" type="datetimeFigureOut">
               <a:rPr lang="en-IN" smtClean="0"/>
-              <a:t>17-09-2022</a:t>
+              <a:t>27-09-2022</a:t>
             </a:fld>
             <a:endParaRPr lang="en-IN"/>
           </a:p>
@@ -1350,7 +1358,7 @@
           <a:p>
             <a:fld id="{E5EC6E44-DF2D-4F17-B5C6-B65244F2A188}" type="datetimeFigureOut">
               <a:rPr lang="en-IN" smtClean="0"/>
-              <a:t>17-09-2022</a:t>
+              <a:t>27-09-2022</a:t>
             </a:fld>
             <a:endParaRPr lang="en-IN"/>
           </a:p>
@@ -1772,7 +1780,7 @@
           <a:p>
             <a:fld id="{E5EC6E44-DF2D-4F17-B5C6-B65244F2A188}" type="datetimeFigureOut">
               <a:rPr lang="en-IN" smtClean="0"/>
-              <a:t>17-09-2022</a:t>
+              <a:t>27-09-2022</a:t>
             </a:fld>
             <a:endParaRPr lang="en-IN"/>
           </a:p>
@@ -1890,7 +1898,7 @@
           <a:p>
             <a:fld id="{E5EC6E44-DF2D-4F17-B5C6-B65244F2A188}" type="datetimeFigureOut">
               <a:rPr lang="en-IN" smtClean="0"/>
-              <a:t>17-09-2022</a:t>
+              <a:t>27-09-2022</a:t>
             </a:fld>
             <a:endParaRPr lang="en-IN"/>
           </a:p>
@@ -1985,7 +1993,7 @@
           <a:p>
             <a:fld id="{E5EC6E44-DF2D-4F17-B5C6-B65244F2A188}" type="datetimeFigureOut">
               <a:rPr lang="en-IN" smtClean="0"/>
-              <a:t>17-09-2022</a:t>
+              <a:t>27-09-2022</a:t>
             </a:fld>
             <a:endParaRPr lang="en-IN"/>
           </a:p>
@@ -2262,7 +2270,7 @@
           <a:p>
             <a:fld id="{E5EC6E44-DF2D-4F17-B5C6-B65244F2A188}" type="datetimeFigureOut">
               <a:rPr lang="en-IN" smtClean="0"/>
-              <a:t>17-09-2022</a:t>
+              <a:t>27-09-2022</a:t>
             </a:fld>
             <a:endParaRPr lang="en-IN"/>
           </a:p>
@@ -2515,7 +2523,7 @@
           <a:p>
             <a:fld id="{E5EC6E44-DF2D-4F17-B5C6-B65244F2A188}" type="datetimeFigureOut">
               <a:rPr lang="en-IN" smtClean="0"/>
-              <a:t>17-09-2022</a:t>
+              <a:t>27-09-2022</a:t>
             </a:fld>
             <a:endParaRPr lang="en-IN"/>
           </a:p>
@@ -2728,7 +2736,7 @@
           <a:p>
             <a:fld id="{E5EC6E44-DF2D-4F17-B5C6-B65244F2A188}" type="datetimeFigureOut">
               <a:rPr lang="en-IN" smtClean="0"/>
-              <a:t>17-09-2022</a:t>
+              <a:t>27-09-2022</a:t>
             </a:fld>
             <a:endParaRPr lang="en-IN"/>
           </a:p>
@@ -3149,6 +3157,1572 @@
     <p:extLst>
       <p:ext uri="{BB962C8B-B14F-4D97-AF65-F5344CB8AC3E}">
         <p14:creationId xmlns:p14="http://schemas.microsoft.com/office/powerpoint/2010/main" val="3720541791"/>
+      </p:ext>
+    </p:extLst>
+  </p:cSld>
+  <p:clrMapOvr>
+    <a:masterClrMapping/>
+  </p:clrMapOvr>
+</p:sld>
+</file>
+
+<file path=ppt/slides/slide10.xml><?xml version="1.0" encoding="utf-8"?>
+<p:sld xmlns:a="http://schemas.openxmlformats.org/drawingml/2006/main" xmlns:r="http://schemas.openxmlformats.org/officeDocument/2006/relationships" xmlns:p="http://schemas.openxmlformats.org/presentationml/2006/main">
+  <p:cSld>
+    <p:spTree>
+      <p:nvGrpSpPr>
+        <p:cNvPr id="1" name=""/>
+        <p:cNvGrpSpPr/>
+        <p:nvPr/>
+      </p:nvGrpSpPr>
+      <p:grpSpPr>
+        <a:xfrm>
+          <a:off x="0" y="0"/>
+          <a:ext cx="0" cy="0"/>
+          <a:chOff x="0" y="0"/>
+          <a:chExt cx="0" cy="0"/>
+        </a:xfrm>
+      </p:grpSpPr>
+      <p:sp>
+        <p:nvSpPr>
+          <p:cNvPr id="2" name="Title 1"/>
+          <p:cNvSpPr>
+            <a:spLocks noGrp="1"/>
+          </p:cNvSpPr>
+          <p:nvPr>
+            <p:ph type="title"/>
+          </p:nvPr>
+        </p:nvSpPr>
+        <p:spPr/>
+        <p:txBody>
+          <a:bodyPr/>
+          <a:lstStyle/>
+          <a:p>
+            <a:r>
+              <a:rPr lang="en-IN" dirty="0" smtClean="0"/>
+              <a:t>Create Custom Command Laravel</a:t>
+            </a:r>
+            <a:endParaRPr lang="en-IN" dirty="0"/>
+          </a:p>
+        </p:txBody>
+      </p:sp>
+      <p:sp>
+        <p:nvSpPr>
+          <p:cNvPr id="3" name="Content Placeholder 2"/>
+          <p:cNvSpPr>
+            <a:spLocks noGrp="1"/>
+          </p:cNvSpPr>
+          <p:nvPr>
+            <p:ph idx="1"/>
+          </p:nvPr>
+        </p:nvSpPr>
+        <p:spPr/>
+        <p:txBody>
+          <a:bodyPr>
+            <a:normAutofit fontScale="92500" lnSpcReduction="10000"/>
+          </a:bodyPr>
+          <a:lstStyle/>
+          <a:p>
+            <a:r>
+              <a:rPr lang="en-IN" dirty="0" smtClean="0"/>
+              <a:t>With the help of console we are able to create our own commands like here we are going to create a command for creating traits</a:t>
+            </a:r>
+          </a:p>
+          <a:p>
+            <a:r>
+              <a:rPr lang="en-IN" dirty="0"/>
+              <a:t>Step 1 </a:t>
+            </a:r>
+            <a:r>
+              <a:rPr lang="en-IN" dirty="0" smtClean="0"/>
+              <a:t>: CMD </a:t>
+            </a:r>
+          </a:p>
+          <a:p>
+            <a:pPr lvl="1"/>
+            <a:r>
+              <a:rPr lang="en-IN" dirty="0" err="1" smtClean="0"/>
+              <a:t>php</a:t>
+            </a:r>
+            <a:r>
+              <a:rPr lang="en-IN" dirty="0" smtClean="0"/>
+              <a:t> artisan </a:t>
+            </a:r>
+            <a:r>
+              <a:rPr lang="en-IN" dirty="0" err="1" smtClean="0"/>
+              <a:t>make:command</a:t>
+            </a:r>
+            <a:r>
+              <a:rPr lang="en-IN" dirty="0" smtClean="0"/>
+              <a:t> </a:t>
+            </a:r>
+            <a:r>
+              <a:rPr lang="en-IN" dirty="0" err="1" smtClean="0"/>
+              <a:t>TraitMakeCommand</a:t>
+            </a:r>
+            <a:r>
+              <a:rPr lang="en-IN" dirty="0" smtClean="0"/>
+              <a:t> </a:t>
+            </a:r>
+          </a:p>
+          <a:p>
+            <a:pPr fontAlgn="base"/>
+            <a:r>
+              <a:rPr lang="en-US" dirty="0"/>
+              <a:t>then you have this command in app/Console/Commands</a:t>
+            </a:r>
+          </a:p>
+          <a:p>
+            <a:pPr marL="0" indent="0">
+              <a:buNone/>
+            </a:pPr>
+            <a:r>
+              <a:rPr lang="en-US" dirty="0"/>
+              <a:t/>
+            </a:r>
+            <a:br>
+              <a:rPr lang="en-US" dirty="0"/>
+            </a:br>
+            <a:r>
+              <a:rPr lang="en-IN" dirty="0" smtClean="0"/>
+              <a:t/>
+            </a:r>
+            <a:br>
+              <a:rPr lang="en-IN" dirty="0" smtClean="0"/>
+            </a:br>
+            <a:endParaRPr lang="en-IN" dirty="0"/>
+          </a:p>
+        </p:txBody>
+      </p:sp>
+    </p:spTree>
+    <p:extLst>
+      <p:ext uri="{BB962C8B-B14F-4D97-AF65-F5344CB8AC3E}">
+        <p14:creationId xmlns:p14="http://schemas.microsoft.com/office/powerpoint/2010/main" val="2217478691"/>
+      </p:ext>
+    </p:extLst>
+  </p:cSld>
+  <p:clrMapOvr>
+    <a:masterClrMapping/>
+  </p:clrMapOvr>
+</p:sld>
+</file>
+
+<file path=ppt/slides/slide11.xml><?xml version="1.0" encoding="utf-8"?>
+<p:sld xmlns:a="http://schemas.openxmlformats.org/drawingml/2006/main" xmlns:r="http://schemas.openxmlformats.org/officeDocument/2006/relationships" xmlns:p="http://schemas.openxmlformats.org/presentationml/2006/main">
+  <p:cSld>
+    <p:spTree>
+      <p:nvGrpSpPr>
+        <p:cNvPr id="1" name=""/>
+        <p:cNvGrpSpPr/>
+        <p:nvPr/>
+      </p:nvGrpSpPr>
+      <p:grpSpPr>
+        <a:xfrm>
+          <a:off x="0" y="0"/>
+          <a:ext cx="0" cy="0"/>
+          <a:chOff x="0" y="0"/>
+          <a:chExt cx="0" cy="0"/>
+        </a:xfrm>
+      </p:grpSpPr>
+      <p:sp>
+        <p:nvSpPr>
+          <p:cNvPr id="2" name="Title 1"/>
+          <p:cNvSpPr>
+            <a:spLocks noGrp="1"/>
+          </p:cNvSpPr>
+          <p:nvPr>
+            <p:ph type="title"/>
+          </p:nvPr>
+        </p:nvSpPr>
+        <p:spPr/>
+        <p:txBody>
+          <a:bodyPr/>
+          <a:lstStyle/>
+          <a:p>
+            <a:r>
+              <a:rPr lang="en-IN" dirty="0"/>
+              <a:t>app/Console/Commands</a:t>
+            </a:r>
+            <a:endParaRPr lang="en-IN" dirty="0"/>
+          </a:p>
+        </p:txBody>
+      </p:sp>
+      <p:sp>
+        <p:nvSpPr>
+          <p:cNvPr id="3" name="Content Placeholder 2"/>
+          <p:cNvSpPr>
+            <a:spLocks noGrp="1"/>
+          </p:cNvSpPr>
+          <p:nvPr>
+            <p:ph idx="1"/>
+          </p:nvPr>
+        </p:nvSpPr>
+        <p:spPr>
+          <a:xfrm>
+            <a:off x="457200" y="1600200"/>
+            <a:ext cx="3466728" cy="4525963"/>
+          </a:xfrm>
+        </p:spPr>
+        <p:txBody>
+          <a:bodyPr/>
+          <a:lstStyle/>
+          <a:p>
+            <a:r>
+              <a:rPr lang="en-IN" dirty="0"/>
+              <a:t>laravel-app\app\Console\Commands</a:t>
+            </a:r>
+          </a:p>
+        </p:txBody>
+      </p:sp>
+      <p:pic>
+        <p:nvPicPr>
+          <p:cNvPr id="1026" name="Picture 2"/>
+          <p:cNvPicPr>
+            <a:picLocks noChangeAspect="1" noChangeArrowheads="1"/>
+          </p:cNvPicPr>
+          <p:nvPr/>
+        </p:nvPicPr>
+        <p:blipFill rotWithShape="1">
+          <a:blip r:embed="rId2">
+            <a:extLst>
+              <a:ext uri="{28A0092B-C50C-407E-A947-70E740481C1C}">
+                <a14:useLocalDpi xmlns:a14="http://schemas.microsoft.com/office/drawing/2010/main" val="0"/>
+              </a:ext>
+            </a:extLst>
+          </a:blip>
+          <a:srcRect r="50000" b="7738"/>
+          <a:stretch/>
+        </p:blipFill>
+        <p:spPr bwMode="auto">
+          <a:xfrm>
+            <a:off x="4355976" y="1628800"/>
+            <a:ext cx="4369886" cy="4533494"/>
+          </a:xfrm>
+          <a:prstGeom prst="rect">
+            <a:avLst/>
+          </a:prstGeom>
+          <a:noFill/>
+          <a:ln>
+            <a:noFill/>
+          </a:ln>
+          <a:effectLst/>
+          <a:extLst>
+            <a:ext uri="{909E8E84-426E-40DD-AFC4-6F175D3DCCD1}">
+              <a14:hiddenFill xmlns:a14="http://schemas.microsoft.com/office/drawing/2010/main">
+                <a:solidFill>
+                  <a:schemeClr val="accent1"/>
+                </a:solidFill>
+              </a14:hiddenFill>
+            </a:ext>
+            <a:ext uri="{91240B29-F687-4F45-9708-019B960494DF}">
+              <a14:hiddenLine xmlns:a14="http://schemas.microsoft.com/office/drawing/2010/main" w="9525">
+                <a:solidFill>
+                  <a:schemeClr val="tx1"/>
+                </a:solidFill>
+                <a:miter lim="800000"/>
+                <a:headEnd/>
+                <a:tailEnd/>
+              </a14:hiddenLine>
+            </a:ext>
+            <a:ext uri="{AF507438-7753-43E0-B8FC-AC1667EBCBE1}">
+              <a14:hiddenEffects xmlns:a14="http://schemas.microsoft.com/office/drawing/2010/main">
+                <a:effectLst>
+                  <a:outerShdw dist="35921" dir="2700000" algn="ctr" rotWithShape="0">
+                    <a:schemeClr val="bg2"/>
+                  </a:outerShdw>
+                </a:effectLst>
+              </a14:hiddenEffects>
+            </a:ext>
+          </a:extLst>
+        </p:spPr>
+      </p:pic>
+    </p:spTree>
+    <p:extLst>
+      <p:ext uri="{BB962C8B-B14F-4D97-AF65-F5344CB8AC3E}">
+        <p14:creationId xmlns:p14="http://schemas.microsoft.com/office/powerpoint/2010/main" val="1490055053"/>
+      </p:ext>
+    </p:extLst>
+  </p:cSld>
+  <p:clrMapOvr>
+    <a:masterClrMapping/>
+  </p:clrMapOvr>
+</p:sld>
+</file>
+
+<file path=ppt/slides/slide12.xml><?xml version="1.0" encoding="utf-8"?>
+<p:sld xmlns:a="http://schemas.openxmlformats.org/drawingml/2006/main" xmlns:r="http://schemas.openxmlformats.org/officeDocument/2006/relationships" xmlns:p="http://schemas.openxmlformats.org/presentationml/2006/main">
+  <p:cSld>
+    <p:spTree>
+      <p:nvGrpSpPr>
+        <p:cNvPr id="1" name=""/>
+        <p:cNvGrpSpPr/>
+        <p:nvPr/>
+      </p:nvGrpSpPr>
+      <p:grpSpPr>
+        <a:xfrm>
+          <a:off x="0" y="0"/>
+          <a:ext cx="0" cy="0"/>
+          <a:chOff x="0" y="0"/>
+          <a:chExt cx="0" cy="0"/>
+        </a:xfrm>
+      </p:grpSpPr>
+      <p:sp>
+        <p:nvSpPr>
+          <p:cNvPr id="2" name="Title 1"/>
+          <p:cNvSpPr>
+            <a:spLocks noGrp="1"/>
+          </p:cNvSpPr>
+          <p:nvPr>
+            <p:ph type="title"/>
+          </p:nvPr>
+        </p:nvSpPr>
+        <p:spPr/>
+        <p:txBody>
+          <a:bodyPr/>
+          <a:lstStyle/>
+          <a:p>
+            <a:r>
+              <a:rPr lang="en-IN" dirty="0" smtClean="0"/>
+              <a:t>Replace </a:t>
+            </a:r>
+            <a:endParaRPr lang="en-IN" dirty="0"/>
+          </a:p>
+        </p:txBody>
+      </p:sp>
+      <p:sp>
+        <p:nvSpPr>
+          <p:cNvPr id="3" name="Content Placeholder 2"/>
+          <p:cNvSpPr>
+            <a:spLocks noGrp="1"/>
+          </p:cNvSpPr>
+          <p:nvPr>
+            <p:ph idx="1"/>
+          </p:nvPr>
+        </p:nvSpPr>
+        <p:spPr>
+          <a:xfrm>
+            <a:off x="590872" y="1600200"/>
+            <a:ext cx="8229600" cy="4525963"/>
+          </a:xfrm>
+        </p:spPr>
+        <p:txBody>
+          <a:bodyPr/>
+          <a:lstStyle/>
+          <a:p>
+            <a:r>
+              <a:rPr lang="en-IN" dirty="0"/>
+              <a:t> so instead</a:t>
+            </a:r>
+            <a:r>
+              <a:rPr lang="en-IN" dirty="0" smtClean="0"/>
+              <a:t>:</a:t>
+            </a:r>
+          </a:p>
+          <a:p>
+            <a:pPr marL="400050" lvl="1" indent="0" algn="ctr">
+              <a:buNone/>
+            </a:pPr>
+            <a:r>
+              <a:rPr lang="en-IN" dirty="0" smtClean="0"/>
+              <a:t>use </a:t>
+            </a:r>
+            <a:r>
+              <a:rPr lang="en-IN" dirty="0"/>
+              <a:t>Illuminate\Console\Command; class </a:t>
+            </a:r>
+            <a:r>
+              <a:rPr lang="en-IN" dirty="0" err="1"/>
+              <a:t>TraitMakeCommand</a:t>
+            </a:r>
+            <a:r>
+              <a:rPr lang="en-IN" dirty="0"/>
+              <a:t> extends Command{</a:t>
+            </a:r>
+          </a:p>
+          <a:p>
+            <a:r>
+              <a:rPr lang="en-IN" dirty="0" smtClean="0"/>
+              <a:t>you </a:t>
+            </a:r>
+            <a:r>
+              <a:rPr lang="en-IN" dirty="0"/>
+              <a:t>should have this</a:t>
+            </a:r>
+            <a:r>
+              <a:rPr lang="en-IN" dirty="0" smtClean="0"/>
+              <a:t>:</a:t>
+            </a:r>
+          </a:p>
+          <a:p>
+            <a:pPr marL="457200" lvl="1" indent="0" algn="ctr">
+              <a:buNone/>
+            </a:pPr>
+            <a:r>
+              <a:rPr lang="en-US" dirty="0"/>
+              <a:t>use Illuminate\Console\</a:t>
+            </a:r>
+            <a:r>
+              <a:rPr lang="en-US" dirty="0" err="1"/>
+              <a:t>GeneratorCommand</a:t>
+            </a:r>
+            <a:r>
+              <a:rPr lang="en-US" dirty="0"/>
+              <a:t>; class </a:t>
+            </a:r>
+            <a:r>
+              <a:rPr lang="en-US" dirty="0" err="1"/>
+              <a:t>TraitMakeCommand</a:t>
+            </a:r>
+            <a:r>
+              <a:rPr lang="en-US" dirty="0"/>
+              <a:t> extends </a:t>
+            </a:r>
+            <a:r>
+              <a:rPr lang="en-US" dirty="0" err="1"/>
+              <a:t>GeneratorCommand</a:t>
+            </a:r>
+            <a:r>
+              <a:rPr lang="en-US" dirty="0" smtClean="0"/>
+              <a:t>{</a:t>
+            </a:r>
+          </a:p>
+          <a:p>
+            <a:pPr marL="457200" lvl="1" indent="0" algn="ctr">
+              <a:buNone/>
+            </a:pPr>
+            <a:endParaRPr lang="en-US" dirty="0"/>
+          </a:p>
+          <a:p>
+            <a:pPr marL="457200" lvl="1" indent="0" algn="ctr">
+              <a:buNone/>
+            </a:pPr>
+            <a:endParaRPr lang="en-IN" dirty="0"/>
+          </a:p>
+        </p:txBody>
+      </p:sp>
+      <p:sp>
+        <p:nvSpPr>
+          <p:cNvPr id="4" name="Rectangle 3"/>
+          <p:cNvSpPr/>
+          <p:nvPr/>
+        </p:nvSpPr>
+        <p:spPr>
+          <a:xfrm>
+            <a:off x="1259632" y="2193001"/>
+            <a:ext cx="6984777" cy="936104"/>
+          </a:xfrm>
+          <a:prstGeom prst="rect">
+            <a:avLst/>
+          </a:prstGeom>
+          <a:noFill/>
+          <a:ln>
+            <a:solidFill>
+              <a:srgbClr val="FF0000"/>
+            </a:solidFill>
+          </a:ln>
+        </p:spPr>
+        <p:style>
+          <a:lnRef idx="2">
+            <a:schemeClr val="accent1">
+              <a:shade val="50000"/>
+            </a:schemeClr>
+          </a:lnRef>
+          <a:fillRef idx="1">
+            <a:schemeClr val="accent1"/>
+          </a:fillRef>
+          <a:effectRef idx="0">
+            <a:schemeClr val="accent1"/>
+          </a:effectRef>
+          <a:fontRef idx="minor">
+            <a:schemeClr val="lt1"/>
+          </a:fontRef>
+        </p:style>
+        <p:txBody>
+          <a:bodyPr rtlCol="0" anchor="ctr"/>
+          <a:lstStyle/>
+          <a:p>
+            <a:pPr algn="ctr"/>
+            <a:endParaRPr lang="en-IN"/>
+          </a:p>
+        </p:txBody>
+      </p:sp>
+      <p:sp>
+        <p:nvSpPr>
+          <p:cNvPr id="5" name="Rectangle 4"/>
+          <p:cNvSpPr/>
+          <p:nvPr/>
+        </p:nvSpPr>
+        <p:spPr>
+          <a:xfrm>
+            <a:off x="863588" y="3645024"/>
+            <a:ext cx="7776864" cy="1117313"/>
+          </a:xfrm>
+          <a:prstGeom prst="rect">
+            <a:avLst/>
+          </a:prstGeom>
+          <a:noFill/>
+          <a:ln>
+            <a:solidFill>
+              <a:srgbClr val="00B050"/>
+            </a:solidFill>
+          </a:ln>
+        </p:spPr>
+        <p:style>
+          <a:lnRef idx="2">
+            <a:schemeClr val="accent1">
+              <a:shade val="50000"/>
+            </a:schemeClr>
+          </a:lnRef>
+          <a:fillRef idx="1">
+            <a:schemeClr val="accent1"/>
+          </a:fillRef>
+          <a:effectRef idx="0">
+            <a:schemeClr val="accent1"/>
+          </a:effectRef>
+          <a:fontRef idx="minor">
+            <a:schemeClr val="lt1"/>
+          </a:fontRef>
+        </p:style>
+        <p:txBody>
+          <a:bodyPr rtlCol="0" anchor="ctr"/>
+          <a:lstStyle/>
+          <a:p>
+            <a:pPr algn="ctr"/>
+            <a:endParaRPr lang="en-IN"/>
+          </a:p>
+        </p:txBody>
+      </p:sp>
+      <p:sp>
+        <p:nvSpPr>
+          <p:cNvPr id="11" name="Down Arrow 10"/>
+          <p:cNvSpPr/>
+          <p:nvPr/>
+        </p:nvSpPr>
+        <p:spPr>
+          <a:xfrm>
+            <a:off x="7452320" y="1340768"/>
+            <a:ext cx="432048" cy="852233"/>
+          </a:xfrm>
+          <a:prstGeom prst="downArrow">
+            <a:avLst/>
+          </a:prstGeom>
+        </p:spPr>
+        <p:style>
+          <a:lnRef idx="2">
+            <a:schemeClr val="accent1">
+              <a:shade val="50000"/>
+            </a:schemeClr>
+          </a:lnRef>
+          <a:fillRef idx="1">
+            <a:schemeClr val="accent1"/>
+          </a:fillRef>
+          <a:effectRef idx="0">
+            <a:schemeClr val="accent1"/>
+          </a:effectRef>
+          <a:fontRef idx="minor">
+            <a:schemeClr val="lt1"/>
+          </a:fontRef>
+        </p:style>
+        <p:txBody>
+          <a:bodyPr rtlCol="0" anchor="ctr"/>
+          <a:lstStyle/>
+          <a:p>
+            <a:pPr algn="ctr"/>
+            <a:endParaRPr lang="en-IN"/>
+          </a:p>
+        </p:txBody>
+      </p:sp>
+      <p:sp>
+        <p:nvSpPr>
+          <p:cNvPr id="12" name="TextBox 11"/>
+          <p:cNvSpPr txBox="1"/>
+          <p:nvPr/>
+        </p:nvSpPr>
+        <p:spPr>
+          <a:xfrm>
+            <a:off x="7196548" y="965578"/>
+            <a:ext cx="943592" cy="369332"/>
+          </a:xfrm>
+          <a:prstGeom prst="rect">
+            <a:avLst/>
+          </a:prstGeom>
+          <a:noFill/>
+        </p:spPr>
+        <p:txBody>
+          <a:bodyPr wrap="none" rtlCol="0">
+            <a:spAutoFit/>
+          </a:bodyPr>
+          <a:lstStyle/>
+          <a:p>
+            <a:r>
+              <a:rPr lang="en-IN" dirty="0" smtClean="0"/>
+              <a:t>Remove</a:t>
+            </a:r>
+            <a:endParaRPr lang="en-IN" dirty="0"/>
+          </a:p>
+        </p:txBody>
+      </p:sp>
+      <p:sp>
+        <p:nvSpPr>
+          <p:cNvPr id="13" name="Down Arrow 12"/>
+          <p:cNvSpPr/>
+          <p:nvPr/>
+        </p:nvSpPr>
+        <p:spPr>
+          <a:xfrm flipV="1">
+            <a:off x="7409331" y="4762337"/>
+            <a:ext cx="432048" cy="898911"/>
+          </a:xfrm>
+          <a:prstGeom prst="downArrow">
+            <a:avLst/>
+          </a:prstGeom>
+        </p:spPr>
+        <p:style>
+          <a:lnRef idx="2">
+            <a:schemeClr val="accent1">
+              <a:shade val="50000"/>
+            </a:schemeClr>
+          </a:lnRef>
+          <a:fillRef idx="1">
+            <a:schemeClr val="accent1"/>
+          </a:fillRef>
+          <a:effectRef idx="0">
+            <a:schemeClr val="accent1"/>
+          </a:effectRef>
+          <a:fontRef idx="minor">
+            <a:schemeClr val="lt1"/>
+          </a:fontRef>
+        </p:style>
+        <p:txBody>
+          <a:bodyPr rtlCol="0" anchor="ctr"/>
+          <a:lstStyle/>
+          <a:p>
+            <a:pPr algn="ctr"/>
+            <a:endParaRPr lang="en-IN"/>
+          </a:p>
+        </p:txBody>
+      </p:sp>
+      <p:sp>
+        <p:nvSpPr>
+          <p:cNvPr id="14" name="TextBox 13"/>
+          <p:cNvSpPr txBox="1"/>
+          <p:nvPr/>
+        </p:nvSpPr>
+        <p:spPr>
+          <a:xfrm>
+            <a:off x="7322996" y="5697867"/>
+            <a:ext cx="561372" cy="369332"/>
+          </a:xfrm>
+          <a:prstGeom prst="rect">
+            <a:avLst/>
+          </a:prstGeom>
+          <a:noFill/>
+        </p:spPr>
+        <p:txBody>
+          <a:bodyPr wrap="none" rtlCol="0">
+            <a:spAutoFit/>
+          </a:bodyPr>
+          <a:lstStyle/>
+          <a:p>
+            <a:r>
+              <a:rPr lang="en-IN" dirty="0" smtClean="0"/>
+              <a:t>Add</a:t>
+            </a:r>
+            <a:endParaRPr lang="en-IN" dirty="0"/>
+          </a:p>
+        </p:txBody>
+      </p:sp>
+    </p:spTree>
+    <p:extLst>
+      <p:ext uri="{BB962C8B-B14F-4D97-AF65-F5344CB8AC3E}">
+        <p14:creationId xmlns:p14="http://schemas.microsoft.com/office/powerpoint/2010/main" val="1490055053"/>
+      </p:ext>
+    </p:extLst>
+  </p:cSld>
+  <p:clrMapOvr>
+    <a:masterClrMapping/>
+  </p:clrMapOvr>
+</p:sld>
+</file>
+
+<file path=ppt/slides/slide13.xml><?xml version="1.0" encoding="utf-8"?>
+<p:sld xmlns:a="http://schemas.openxmlformats.org/drawingml/2006/main" xmlns:r="http://schemas.openxmlformats.org/officeDocument/2006/relationships" xmlns:p="http://schemas.openxmlformats.org/presentationml/2006/main">
+  <p:cSld>
+    <p:spTree>
+      <p:nvGrpSpPr>
+        <p:cNvPr id="1" name=""/>
+        <p:cNvGrpSpPr/>
+        <p:nvPr/>
+      </p:nvGrpSpPr>
+      <p:grpSpPr>
+        <a:xfrm>
+          <a:off x="0" y="0"/>
+          <a:ext cx="0" cy="0"/>
+          <a:chOff x="0" y="0"/>
+          <a:chExt cx="0" cy="0"/>
+        </a:xfrm>
+      </p:grpSpPr>
+      <p:sp>
+        <p:nvSpPr>
+          <p:cNvPr id="2" name="Title 1"/>
+          <p:cNvSpPr>
+            <a:spLocks noGrp="1"/>
+          </p:cNvSpPr>
+          <p:nvPr>
+            <p:ph type="title"/>
+          </p:nvPr>
+        </p:nvSpPr>
+        <p:spPr/>
+        <p:txBody>
+          <a:bodyPr/>
+          <a:lstStyle/>
+          <a:p>
+            <a:r>
+              <a:rPr lang="en-US" dirty="0"/>
+              <a:t>Commands/stubs</a:t>
+            </a:r>
+            <a:endParaRPr lang="en-IN" dirty="0"/>
+          </a:p>
+        </p:txBody>
+      </p:sp>
+      <p:sp>
+        <p:nvSpPr>
+          <p:cNvPr id="3" name="Content Placeholder 2"/>
+          <p:cNvSpPr>
+            <a:spLocks noGrp="1"/>
+          </p:cNvSpPr>
+          <p:nvPr>
+            <p:ph idx="1"/>
+          </p:nvPr>
+        </p:nvSpPr>
+        <p:spPr/>
+        <p:txBody>
+          <a:bodyPr/>
+          <a:lstStyle/>
+          <a:p>
+            <a:r>
+              <a:rPr lang="en-US" dirty="0"/>
+              <a:t>then, delete __construct() and handle() methods cause you are not </a:t>
+            </a:r>
+            <a:r>
+              <a:rPr lang="en-US" dirty="0" err="1"/>
+              <a:t>gonna</a:t>
+            </a:r>
+            <a:r>
+              <a:rPr lang="en-US" dirty="0"/>
+              <a:t> need them</a:t>
+            </a:r>
+            <a:r>
+              <a:rPr lang="en-US" dirty="0" smtClean="0"/>
+              <a:t>.</a:t>
+            </a:r>
+          </a:p>
+          <a:p>
+            <a:r>
+              <a:rPr lang="en-US" dirty="0"/>
+              <a:t>You need to create a file in app/Console/Commands/stubs called </a:t>
+            </a:r>
+            <a:r>
+              <a:rPr lang="en-US" dirty="0" err="1"/>
+              <a:t>traits.stub</a:t>
+            </a:r>
+            <a:r>
+              <a:rPr lang="en-US" dirty="0"/>
+              <a:t> which is going to be the base for your trait:</a:t>
+            </a:r>
+            <a:endParaRPr lang="en-US" dirty="0" smtClean="0"/>
+          </a:p>
+          <a:p>
+            <a:r>
+              <a:rPr lang="fr-FR" dirty="0"/>
+              <a:t>&lt;?</a:t>
+            </a:r>
+            <a:r>
+              <a:rPr lang="fr-FR" dirty="0" err="1"/>
+              <a:t>php</a:t>
+            </a:r>
+            <a:r>
+              <a:rPr lang="fr-FR" dirty="0"/>
+              <a:t> </a:t>
+            </a:r>
+            <a:r>
+              <a:rPr lang="fr-FR" dirty="0" err="1"/>
+              <a:t>namespace</a:t>
+            </a:r>
+            <a:r>
+              <a:rPr lang="fr-FR" dirty="0"/>
+              <a:t> </a:t>
+            </a:r>
+            <a:r>
+              <a:rPr lang="fr-FR" dirty="0" err="1"/>
+              <a:t>TraitNamespace</a:t>
+            </a:r>
+            <a:r>
+              <a:rPr lang="fr-FR" dirty="0"/>
+              <a:t>; trait {{class}} { // }</a:t>
+            </a:r>
+            <a:endParaRPr lang="en-IN" dirty="0"/>
+          </a:p>
+        </p:txBody>
+      </p:sp>
+    </p:spTree>
+    <p:extLst>
+      <p:ext uri="{BB962C8B-B14F-4D97-AF65-F5344CB8AC3E}">
+        <p14:creationId xmlns:p14="http://schemas.microsoft.com/office/powerpoint/2010/main" val="1490055053"/>
+      </p:ext>
+    </p:extLst>
+  </p:cSld>
+  <p:clrMapOvr>
+    <a:masterClrMapping/>
+  </p:clrMapOvr>
+</p:sld>
+</file>
+
+<file path=ppt/slides/slide14.xml><?xml version="1.0" encoding="utf-8"?>
+<p:sld xmlns:a="http://schemas.openxmlformats.org/drawingml/2006/main" xmlns:r="http://schemas.openxmlformats.org/officeDocument/2006/relationships" xmlns:p="http://schemas.openxmlformats.org/presentationml/2006/main">
+  <p:cSld>
+    <p:spTree>
+      <p:nvGrpSpPr>
+        <p:cNvPr id="1" name=""/>
+        <p:cNvGrpSpPr/>
+        <p:nvPr/>
+      </p:nvGrpSpPr>
+      <p:grpSpPr>
+        <a:xfrm>
+          <a:off x="0" y="0"/>
+          <a:ext cx="0" cy="0"/>
+          <a:chOff x="0" y="0"/>
+          <a:chExt cx="0" cy="0"/>
+        </a:xfrm>
+      </p:grpSpPr>
+      <p:sp>
+        <p:nvSpPr>
+          <p:cNvPr id="2" name="Title 1"/>
+          <p:cNvSpPr>
+            <a:spLocks noGrp="1"/>
+          </p:cNvSpPr>
+          <p:nvPr>
+            <p:ph type="title"/>
+          </p:nvPr>
+        </p:nvSpPr>
+        <p:spPr/>
+        <p:txBody>
+          <a:bodyPr>
+            <a:noAutofit/>
+          </a:bodyPr>
+          <a:lstStyle/>
+          <a:p>
+            <a:r>
+              <a:rPr lang="en-IN" sz="2800" dirty="0" smtClean="0"/>
+              <a:t>laravel-app\app\Console\Commands\</a:t>
+            </a:r>
+            <a:r>
+              <a:rPr lang="en-IN" sz="2800" dirty="0" err="1" smtClean="0"/>
+              <a:t>TraitMakeCommand.php</a:t>
+            </a:r>
+            <a:endParaRPr lang="en-IN" sz="2800" dirty="0"/>
+          </a:p>
+        </p:txBody>
+      </p:sp>
+      <p:sp>
+        <p:nvSpPr>
+          <p:cNvPr id="3" name="Content Placeholder 2"/>
+          <p:cNvSpPr>
+            <a:spLocks noGrp="1"/>
+          </p:cNvSpPr>
+          <p:nvPr>
+            <p:ph idx="1"/>
+          </p:nvPr>
+        </p:nvSpPr>
+        <p:spPr/>
+        <p:txBody>
+          <a:bodyPr>
+            <a:normAutofit fontScale="47500" lnSpcReduction="20000"/>
+          </a:bodyPr>
+          <a:lstStyle/>
+          <a:p>
+            <a:pPr marL="0" indent="0">
+              <a:buNone/>
+            </a:pPr>
+            <a:r>
+              <a:rPr lang="en-IN" dirty="0"/>
+              <a:t>&lt;?</a:t>
+            </a:r>
+            <a:r>
+              <a:rPr lang="en-IN" dirty="0" err="1"/>
+              <a:t>php</a:t>
+            </a:r>
+            <a:endParaRPr lang="en-IN" dirty="0"/>
+          </a:p>
+          <a:p>
+            <a:pPr marL="0" indent="0">
+              <a:buNone/>
+            </a:pPr>
+            <a:r>
+              <a:rPr lang="en-IN" dirty="0"/>
+              <a:t>namespace App\Console\Commands;</a:t>
+            </a:r>
+          </a:p>
+          <a:p>
+            <a:pPr marL="0" indent="0">
+              <a:buNone/>
+            </a:pPr>
+            <a:r>
+              <a:rPr lang="en-IN" dirty="0"/>
+              <a:t>use Illuminate\Console\Command;</a:t>
+            </a:r>
+          </a:p>
+          <a:p>
+            <a:pPr marL="0" indent="0">
+              <a:buNone/>
+            </a:pPr>
+            <a:r>
+              <a:rPr lang="en-IN" dirty="0"/>
+              <a:t>use Illuminate\Console\</a:t>
+            </a:r>
+            <a:r>
+              <a:rPr lang="en-IN" dirty="0" err="1"/>
+              <a:t>GeneratorCommand</a:t>
+            </a:r>
+            <a:r>
+              <a:rPr lang="en-IN" dirty="0"/>
+              <a:t>;</a:t>
+            </a:r>
+          </a:p>
+          <a:p>
+            <a:pPr marL="0" indent="0">
+              <a:buNone/>
+            </a:pPr>
+            <a:r>
+              <a:rPr lang="en-IN" dirty="0"/>
+              <a:t>class </a:t>
+            </a:r>
+            <a:r>
+              <a:rPr lang="en-IN" dirty="0" err="1"/>
+              <a:t>TraitMakeCommand</a:t>
+            </a:r>
+            <a:r>
+              <a:rPr lang="en-IN" dirty="0"/>
+              <a:t> extends </a:t>
+            </a:r>
+            <a:r>
+              <a:rPr lang="en-IN" dirty="0" err="1"/>
+              <a:t>GeneratorCommand</a:t>
+            </a:r>
+            <a:endParaRPr lang="en-IN" dirty="0"/>
+          </a:p>
+          <a:p>
+            <a:pPr marL="0" indent="0">
+              <a:buNone/>
+            </a:pPr>
+            <a:r>
+              <a:rPr lang="en-IN" dirty="0"/>
+              <a:t>{</a:t>
+            </a:r>
+          </a:p>
+          <a:p>
+            <a:pPr marL="0" indent="0">
+              <a:buNone/>
+            </a:pPr>
+            <a:r>
+              <a:rPr lang="en-IN" dirty="0"/>
+              <a:t>    protected $signature = '</a:t>
+            </a:r>
+            <a:r>
+              <a:rPr lang="en-IN" dirty="0" err="1"/>
+              <a:t>make:trait</a:t>
+            </a:r>
+            <a:r>
+              <a:rPr lang="en-IN" dirty="0"/>
+              <a:t> {name}';</a:t>
+            </a:r>
+          </a:p>
+          <a:p>
+            <a:pPr marL="0" indent="0">
+              <a:buNone/>
+            </a:pPr>
+            <a:r>
+              <a:rPr lang="en-IN" dirty="0"/>
+              <a:t>    protected $description = 'Create a new trait';</a:t>
+            </a:r>
+          </a:p>
+          <a:p>
+            <a:pPr marL="0" indent="0">
+              <a:buNone/>
+            </a:pPr>
+            <a:r>
+              <a:rPr lang="en-IN" dirty="0"/>
+              <a:t>    protected $type = 'Trait';</a:t>
+            </a:r>
+          </a:p>
+          <a:p>
+            <a:pPr marL="0" indent="0">
+              <a:buNone/>
+            </a:pPr>
+            <a:r>
+              <a:rPr lang="en-IN" dirty="0"/>
+              <a:t>    protected function </a:t>
+            </a:r>
+            <a:r>
+              <a:rPr lang="en-IN" dirty="0" err="1"/>
+              <a:t>getStub</a:t>
+            </a:r>
+            <a:r>
+              <a:rPr lang="en-IN" dirty="0"/>
+              <a:t>()</a:t>
+            </a:r>
+          </a:p>
+          <a:p>
+            <a:pPr marL="0" indent="0">
+              <a:buNone/>
+            </a:pPr>
+            <a:r>
+              <a:rPr lang="en-IN" dirty="0"/>
+              <a:t>    {</a:t>
+            </a:r>
+          </a:p>
+          <a:p>
+            <a:pPr marL="0" indent="0">
+              <a:buNone/>
+            </a:pPr>
+            <a:r>
+              <a:rPr lang="en-IN" dirty="0"/>
+              <a:t>        return __DIR__ . '\stubs\</a:t>
+            </a:r>
+            <a:r>
+              <a:rPr lang="en-IN" dirty="0" err="1"/>
+              <a:t>traits.stub</a:t>
+            </a:r>
+            <a:r>
+              <a:rPr lang="en-IN" dirty="0"/>
+              <a:t>';</a:t>
+            </a:r>
+          </a:p>
+          <a:p>
+            <a:pPr marL="0" indent="0">
+              <a:buNone/>
+            </a:pPr>
+            <a:r>
+              <a:rPr lang="en-IN" dirty="0"/>
+              <a:t>    }</a:t>
+            </a:r>
+          </a:p>
+          <a:p>
+            <a:pPr marL="0" indent="0">
+              <a:buNone/>
+            </a:pPr>
+            <a:r>
+              <a:rPr lang="en-IN" dirty="0"/>
+              <a:t>    protected function </a:t>
+            </a:r>
+            <a:r>
+              <a:rPr lang="en-IN" dirty="0" err="1"/>
+              <a:t>getDefaultNamespace</a:t>
+            </a:r>
+            <a:r>
+              <a:rPr lang="en-IN" dirty="0"/>
+              <a:t>($</a:t>
+            </a:r>
+            <a:r>
+              <a:rPr lang="en-IN" dirty="0" err="1"/>
+              <a:t>rootNamespace</a:t>
+            </a:r>
+            <a:r>
+              <a:rPr lang="en-IN" dirty="0"/>
+              <a:t>)</a:t>
+            </a:r>
+          </a:p>
+          <a:p>
+            <a:pPr marL="0" indent="0">
+              <a:buNone/>
+            </a:pPr>
+            <a:r>
+              <a:rPr lang="en-IN" dirty="0"/>
+              <a:t>    {</a:t>
+            </a:r>
+          </a:p>
+          <a:p>
+            <a:pPr marL="0" indent="0">
+              <a:buNone/>
+            </a:pPr>
+            <a:r>
+              <a:rPr lang="en-IN" dirty="0"/>
+              <a:t>        return $</a:t>
+            </a:r>
+            <a:r>
+              <a:rPr lang="en-IN" dirty="0" err="1"/>
+              <a:t>rootNamespace</a:t>
+            </a:r>
+            <a:r>
+              <a:rPr lang="en-IN" dirty="0"/>
+              <a:t> . '\Http\Traits';</a:t>
+            </a:r>
+          </a:p>
+          <a:p>
+            <a:pPr marL="0" indent="0">
+              <a:buNone/>
+            </a:pPr>
+            <a:r>
+              <a:rPr lang="en-IN" dirty="0"/>
+              <a:t>    }</a:t>
+            </a:r>
+          </a:p>
+          <a:p>
+            <a:pPr marL="0" indent="0">
+              <a:buNone/>
+            </a:pPr>
+            <a:r>
+              <a:rPr lang="en-IN" dirty="0" smtClean="0"/>
+              <a:t>}</a:t>
+            </a:r>
+            <a:endParaRPr lang="en-IN" dirty="0"/>
+          </a:p>
+        </p:txBody>
+      </p:sp>
+    </p:spTree>
+    <p:extLst>
+      <p:ext uri="{BB962C8B-B14F-4D97-AF65-F5344CB8AC3E}">
+        <p14:creationId xmlns:p14="http://schemas.microsoft.com/office/powerpoint/2010/main" val="1490055053"/>
+      </p:ext>
+    </p:extLst>
+  </p:cSld>
+  <p:clrMapOvr>
+    <a:masterClrMapping/>
+  </p:clrMapOvr>
+</p:sld>
+</file>
+
+<file path=ppt/slides/slide15.xml><?xml version="1.0" encoding="utf-8"?>
+<p:sld xmlns:a="http://schemas.openxmlformats.org/drawingml/2006/main" xmlns:r="http://schemas.openxmlformats.org/officeDocument/2006/relationships" xmlns:p="http://schemas.openxmlformats.org/presentationml/2006/main">
+  <p:cSld>
+    <p:spTree>
+      <p:nvGrpSpPr>
+        <p:cNvPr id="1" name=""/>
+        <p:cNvGrpSpPr/>
+        <p:nvPr/>
+      </p:nvGrpSpPr>
+      <p:grpSpPr>
+        <a:xfrm>
+          <a:off x="0" y="0"/>
+          <a:ext cx="0" cy="0"/>
+          <a:chOff x="0" y="0"/>
+          <a:chExt cx="0" cy="0"/>
+        </a:xfrm>
+      </p:grpSpPr>
+      <p:sp>
+        <p:nvSpPr>
+          <p:cNvPr id="2" name="Title 1"/>
+          <p:cNvSpPr>
+            <a:spLocks noGrp="1"/>
+          </p:cNvSpPr>
+          <p:nvPr>
+            <p:ph type="title"/>
+          </p:nvPr>
+        </p:nvSpPr>
+        <p:spPr/>
+        <p:txBody>
+          <a:bodyPr>
+            <a:normAutofit fontScale="90000"/>
+          </a:bodyPr>
+          <a:lstStyle/>
+          <a:p>
+            <a:r>
+              <a:rPr lang="en-IN" sz="3600" dirty="0"/>
+              <a:t>laravel-app\app\Console\Commands\stubs\</a:t>
+            </a:r>
+            <a:r>
+              <a:rPr lang="en-IN" sz="3600" dirty="0" err="1"/>
+              <a:t>traits.stub</a:t>
+            </a:r>
+            <a:endParaRPr lang="en-IN" sz="3600" dirty="0"/>
+          </a:p>
+        </p:txBody>
+      </p:sp>
+      <p:sp>
+        <p:nvSpPr>
+          <p:cNvPr id="3" name="Content Placeholder 2"/>
+          <p:cNvSpPr>
+            <a:spLocks noGrp="1"/>
+          </p:cNvSpPr>
+          <p:nvPr>
+            <p:ph idx="1"/>
+          </p:nvPr>
+        </p:nvSpPr>
+        <p:spPr/>
+        <p:txBody>
+          <a:bodyPr>
+            <a:normAutofit/>
+          </a:bodyPr>
+          <a:lstStyle/>
+          <a:p>
+            <a:r>
+              <a:rPr lang="en-IN" sz="2800" dirty="0" smtClean="0"/>
+              <a:t>Create a stub file for command line</a:t>
+            </a:r>
+          </a:p>
+          <a:p>
+            <a:r>
+              <a:rPr lang="en-IN" sz="2800" dirty="0"/>
+              <a:t>Laravel stubs are </a:t>
+            </a:r>
+            <a:r>
+              <a:rPr lang="en-IN" sz="2800" b="1" dirty="0"/>
+              <a:t>helper modules that enable us to customize the default Artisan generated classes</a:t>
+            </a:r>
+            <a:r>
+              <a:rPr lang="en-IN" sz="2800" dirty="0"/>
+              <a:t> . For example, when you need to send data to a database, you are supposed to indicate fields that are ＄fillable or ＄guarded </a:t>
+            </a:r>
+            <a:r>
+              <a:rPr lang="en-IN" sz="2800" dirty="0" smtClean="0"/>
+              <a:t>.</a:t>
+            </a:r>
+            <a:r>
+              <a:rPr lang="en-IN" dirty="0"/>
+              <a:t/>
+            </a:r>
+            <a:br>
+              <a:rPr lang="en-IN" dirty="0"/>
+            </a:br>
+            <a:endParaRPr lang="en-IN" dirty="0"/>
+          </a:p>
+        </p:txBody>
+      </p:sp>
+      <p:pic>
+        <p:nvPicPr>
+          <p:cNvPr id="2050" name="Picture 2"/>
+          <p:cNvPicPr>
+            <a:picLocks noChangeAspect="1" noChangeArrowheads="1"/>
+          </p:cNvPicPr>
+          <p:nvPr/>
+        </p:nvPicPr>
+        <p:blipFill rotWithShape="1">
+          <a:blip r:embed="rId2">
+            <a:extLst>
+              <a:ext uri="{28A0092B-C50C-407E-A947-70E740481C1C}">
+                <a14:useLocalDpi xmlns:a14="http://schemas.microsoft.com/office/drawing/2010/main" val="0"/>
+              </a:ext>
+            </a:extLst>
+          </a:blip>
+          <a:srcRect l="7403" t="13906" r="21133" b="64882"/>
+          <a:stretch/>
+        </p:blipFill>
+        <p:spPr bwMode="auto">
+          <a:xfrm>
+            <a:off x="611560" y="4725144"/>
+            <a:ext cx="8198442" cy="1368152"/>
+          </a:xfrm>
+          <a:prstGeom prst="rect">
+            <a:avLst/>
+          </a:prstGeom>
+          <a:noFill/>
+          <a:ln>
+            <a:noFill/>
+          </a:ln>
+          <a:effectLst/>
+          <a:extLst>
+            <a:ext uri="{909E8E84-426E-40DD-AFC4-6F175D3DCCD1}">
+              <a14:hiddenFill xmlns:a14="http://schemas.microsoft.com/office/drawing/2010/main">
+                <a:solidFill>
+                  <a:schemeClr val="accent1"/>
+                </a:solidFill>
+              </a14:hiddenFill>
+            </a:ext>
+            <a:ext uri="{91240B29-F687-4F45-9708-019B960494DF}">
+              <a14:hiddenLine xmlns:a14="http://schemas.microsoft.com/office/drawing/2010/main" w="9525">
+                <a:solidFill>
+                  <a:schemeClr val="tx1"/>
+                </a:solidFill>
+                <a:miter lim="800000"/>
+                <a:headEnd/>
+                <a:tailEnd/>
+              </a14:hiddenLine>
+            </a:ext>
+            <a:ext uri="{AF507438-7753-43E0-B8FC-AC1667EBCBE1}">
+              <a14:hiddenEffects xmlns:a14="http://schemas.microsoft.com/office/drawing/2010/main">
+                <a:effectLst>
+                  <a:outerShdw dist="35921" dir="2700000" algn="ctr" rotWithShape="0">
+                    <a:schemeClr val="bg2"/>
+                  </a:outerShdw>
+                </a:effectLst>
+              </a14:hiddenEffects>
+            </a:ext>
+          </a:extLst>
+        </p:spPr>
+      </p:pic>
+    </p:spTree>
+    <p:extLst>
+      <p:ext uri="{BB962C8B-B14F-4D97-AF65-F5344CB8AC3E}">
+        <p14:creationId xmlns:p14="http://schemas.microsoft.com/office/powerpoint/2010/main" val="1490055053"/>
+      </p:ext>
+    </p:extLst>
+  </p:cSld>
+  <p:clrMapOvr>
+    <a:masterClrMapping/>
+  </p:clrMapOvr>
+</p:sld>
+</file>
+
+<file path=ppt/slides/slide16.xml><?xml version="1.0" encoding="utf-8"?>
+<p:sld xmlns:a="http://schemas.openxmlformats.org/drawingml/2006/main" xmlns:r="http://schemas.openxmlformats.org/officeDocument/2006/relationships" xmlns:p="http://schemas.openxmlformats.org/presentationml/2006/main">
+  <p:cSld>
+    <p:spTree>
+      <p:nvGrpSpPr>
+        <p:cNvPr id="1" name=""/>
+        <p:cNvGrpSpPr/>
+        <p:nvPr/>
+      </p:nvGrpSpPr>
+      <p:grpSpPr>
+        <a:xfrm>
+          <a:off x="0" y="0"/>
+          <a:ext cx="0" cy="0"/>
+          <a:chOff x="0" y="0"/>
+          <a:chExt cx="0" cy="0"/>
+        </a:xfrm>
+      </p:grpSpPr>
+      <p:sp>
+        <p:nvSpPr>
+          <p:cNvPr id="2" name="Title 1"/>
+          <p:cNvSpPr>
+            <a:spLocks noGrp="1"/>
+          </p:cNvSpPr>
+          <p:nvPr>
+            <p:ph type="title"/>
+          </p:nvPr>
+        </p:nvSpPr>
+        <p:spPr/>
+        <p:txBody>
+          <a:bodyPr>
+            <a:normAutofit/>
+          </a:bodyPr>
+          <a:lstStyle/>
+          <a:p>
+            <a:r>
+              <a:rPr lang="en-IN" sz="3200" dirty="0"/>
+              <a:t>laravel-app\app\Console\Commands\stubs\</a:t>
+            </a:r>
+            <a:r>
+              <a:rPr lang="en-IN" sz="3200" dirty="0" err="1"/>
+              <a:t>traits.stub</a:t>
+            </a:r>
+            <a:endParaRPr lang="en-IN" sz="3200" dirty="0"/>
+          </a:p>
+        </p:txBody>
+      </p:sp>
+      <p:sp>
+        <p:nvSpPr>
+          <p:cNvPr id="3" name="Content Placeholder 2"/>
+          <p:cNvSpPr>
+            <a:spLocks noGrp="1"/>
+          </p:cNvSpPr>
+          <p:nvPr>
+            <p:ph idx="1"/>
+          </p:nvPr>
+        </p:nvSpPr>
+        <p:spPr/>
+        <p:txBody>
+          <a:bodyPr>
+            <a:normAutofit/>
+          </a:bodyPr>
+          <a:lstStyle/>
+          <a:p>
+            <a:pPr marL="0" indent="0">
+              <a:buNone/>
+            </a:pPr>
+            <a:r>
+              <a:rPr lang="fr-FR" dirty="0"/>
+              <a:t>&lt;?</a:t>
+            </a:r>
+            <a:r>
+              <a:rPr lang="fr-FR" dirty="0" err="1" smtClean="0"/>
+              <a:t>php</a:t>
+            </a:r>
+            <a:endParaRPr lang="fr-FR" dirty="0"/>
+          </a:p>
+          <a:p>
+            <a:pPr marL="0" indent="0">
+              <a:buNone/>
+            </a:pPr>
+            <a:r>
+              <a:rPr lang="fr-FR" dirty="0"/>
+              <a:t>  </a:t>
+            </a:r>
+            <a:r>
+              <a:rPr lang="fr-FR" dirty="0" err="1"/>
+              <a:t>namespace</a:t>
+            </a:r>
+            <a:r>
+              <a:rPr lang="fr-FR" dirty="0"/>
+              <a:t> </a:t>
+            </a:r>
+            <a:r>
+              <a:rPr lang="fr-FR" dirty="0" err="1"/>
+              <a:t>TraitNamespace</a:t>
+            </a:r>
+            <a:r>
+              <a:rPr lang="fr-FR" dirty="0" smtClean="0"/>
+              <a:t>;</a:t>
+            </a:r>
+            <a:endParaRPr lang="fr-FR" dirty="0"/>
+          </a:p>
+          <a:p>
+            <a:pPr marL="0" indent="0">
+              <a:buNone/>
+            </a:pPr>
+            <a:r>
+              <a:rPr lang="fr-FR" dirty="0"/>
+              <a:t>  trait {{class}}</a:t>
+            </a:r>
+          </a:p>
+          <a:p>
+            <a:pPr marL="0" indent="0">
+              <a:buNone/>
+            </a:pPr>
+            <a:r>
+              <a:rPr lang="fr-FR" dirty="0"/>
+              <a:t>  {</a:t>
+            </a:r>
+          </a:p>
+          <a:p>
+            <a:pPr marL="0" indent="0">
+              <a:buNone/>
+            </a:pPr>
+            <a:r>
+              <a:rPr lang="fr-FR" dirty="0"/>
+              <a:t>   // </a:t>
+            </a:r>
+          </a:p>
+          <a:p>
+            <a:pPr marL="0" indent="0">
+              <a:buNone/>
+            </a:pPr>
+            <a:r>
+              <a:rPr lang="fr-FR" dirty="0"/>
+              <a:t>  }</a:t>
+            </a:r>
+            <a:endParaRPr lang="en-IN" dirty="0"/>
+          </a:p>
+        </p:txBody>
+      </p:sp>
+    </p:spTree>
+    <p:extLst>
+      <p:ext uri="{BB962C8B-B14F-4D97-AF65-F5344CB8AC3E}">
+        <p14:creationId xmlns:p14="http://schemas.microsoft.com/office/powerpoint/2010/main" val="1490055053"/>
+      </p:ext>
+    </p:extLst>
+  </p:cSld>
+  <p:clrMapOvr>
+    <a:masterClrMapping/>
+  </p:clrMapOvr>
+</p:sld>
+</file>
+
+<file path=ppt/slides/slide17.xml><?xml version="1.0" encoding="utf-8"?>
+<p:sld xmlns:a="http://schemas.openxmlformats.org/drawingml/2006/main" xmlns:r="http://schemas.openxmlformats.org/officeDocument/2006/relationships" xmlns:p="http://schemas.openxmlformats.org/presentationml/2006/main">
+  <p:cSld>
+    <p:spTree>
+      <p:nvGrpSpPr>
+        <p:cNvPr id="1" name=""/>
+        <p:cNvGrpSpPr/>
+        <p:nvPr/>
+      </p:nvGrpSpPr>
+      <p:grpSpPr>
+        <a:xfrm>
+          <a:off x="0" y="0"/>
+          <a:ext cx="0" cy="0"/>
+          <a:chOff x="0" y="0"/>
+          <a:chExt cx="0" cy="0"/>
+        </a:xfrm>
+      </p:grpSpPr>
+      <p:sp>
+        <p:nvSpPr>
+          <p:cNvPr id="2" name="Title 1"/>
+          <p:cNvSpPr>
+            <a:spLocks noGrp="1"/>
+          </p:cNvSpPr>
+          <p:nvPr>
+            <p:ph type="title"/>
+          </p:nvPr>
+        </p:nvSpPr>
+        <p:spPr/>
+        <p:txBody>
+          <a:bodyPr/>
+          <a:lstStyle/>
+          <a:p>
+            <a:r>
+              <a:rPr lang="en-IN" dirty="0" smtClean="0"/>
+              <a:t>Ready for the Work</a:t>
+            </a:r>
+            <a:endParaRPr lang="en-IN" dirty="0"/>
+          </a:p>
+        </p:txBody>
+      </p:sp>
+      <p:pic>
+        <p:nvPicPr>
+          <p:cNvPr id="4098" name="Picture 2"/>
+          <p:cNvPicPr>
+            <a:picLocks noChangeAspect="1" noChangeArrowheads="1"/>
+          </p:cNvPicPr>
+          <p:nvPr/>
+        </p:nvPicPr>
+        <p:blipFill rotWithShape="1">
+          <a:blip r:embed="rId2">
+            <a:extLst>
+              <a:ext uri="{28A0092B-C50C-407E-A947-70E740481C1C}">
+                <a14:useLocalDpi xmlns:a14="http://schemas.microsoft.com/office/drawing/2010/main" val="0"/>
+              </a:ext>
+            </a:extLst>
+          </a:blip>
+          <a:srcRect l="2735" t="3252" r="19570" b="67857"/>
+          <a:stretch/>
+        </p:blipFill>
+        <p:spPr bwMode="auto">
+          <a:xfrm>
+            <a:off x="654434" y="2276872"/>
+            <a:ext cx="8049146" cy="1682793"/>
+          </a:xfrm>
+          <a:prstGeom prst="rect">
+            <a:avLst/>
+          </a:prstGeom>
+          <a:noFill/>
+          <a:ln>
+            <a:noFill/>
+          </a:ln>
+          <a:effectLst/>
+          <a:extLst>
+            <a:ext uri="{909E8E84-426E-40DD-AFC4-6F175D3DCCD1}">
+              <a14:hiddenFill xmlns:a14="http://schemas.microsoft.com/office/drawing/2010/main">
+                <a:solidFill>
+                  <a:schemeClr val="accent1"/>
+                </a:solidFill>
+              </a14:hiddenFill>
+            </a:ext>
+            <a:ext uri="{91240B29-F687-4F45-9708-019B960494DF}">
+              <a14:hiddenLine xmlns:a14="http://schemas.microsoft.com/office/drawing/2010/main" w="9525">
+                <a:solidFill>
+                  <a:schemeClr val="tx1"/>
+                </a:solidFill>
+                <a:miter lim="800000"/>
+                <a:headEnd/>
+                <a:tailEnd/>
+              </a14:hiddenLine>
+            </a:ext>
+            <a:ext uri="{AF507438-7753-43E0-B8FC-AC1667EBCBE1}">
+              <a14:hiddenEffects xmlns:a14="http://schemas.microsoft.com/office/drawing/2010/main">
+                <a:effectLst>
+                  <a:outerShdw dist="35921" dir="2700000" algn="ctr" rotWithShape="0">
+                    <a:schemeClr val="bg2"/>
+                  </a:outerShdw>
+                </a:effectLst>
+              </a14:hiddenEffects>
+            </a:ext>
+          </a:extLst>
+        </p:spPr>
+      </p:pic>
+    </p:spTree>
+    <p:extLst>
+      <p:ext uri="{BB962C8B-B14F-4D97-AF65-F5344CB8AC3E}">
+        <p14:creationId xmlns:p14="http://schemas.microsoft.com/office/powerpoint/2010/main" val="2552883869"/>
       </p:ext>
     </p:extLst>
   </p:cSld>
